--- a/postHub/postHub-241222.pptx
+++ b/postHub/postHub-241222.pptx
@@ -6,7 +6,9 @@
   </p:sldMasterIdLst>
   <p:sldIdLst>
     <p:sldId id="256" r:id="rId2"/>
-    <p:sldId id="257" r:id="rId3"/>
+    <p:sldId id="258" r:id="rId3"/>
+    <p:sldId id="259" r:id="rId4"/>
+    <p:sldId id="257" r:id="rId5"/>
   </p:sldIdLst>
   <p:sldSz cx="7559675" cy="7559675"/>
   <p:notesSz cx="6858000" cy="9144000"/>
@@ -105,6 +107,11 @@
       </a:defRPr>
     </a:lvl9pPr>
   </p:defaultTextStyle>
+  <p:extLst>
+    <p:ext uri="{EFAFB233-063F-42B5-8137-9DF3F51BA10A}">
+      <p15:sldGuideLst xmlns:p15="http://schemas.microsoft.com/office/powerpoint/2012/main"/>
+    </p:ext>
+  </p:extLst>
 </p:presentation>
 </file>
 
@@ -239,7 +246,7 @@
           <a:p>
             <a:fld id="{70F31C34-679A-48C7-81A0-8FB5A88A2736}" type="datetimeFigureOut">
               <a:rPr lang="es-PE" smtClean="0"/>
-              <a:t>22/12/2024</a:t>
+              <a:t>23/12/2024</a:t>
             </a:fld>
             <a:endParaRPr lang="es-PE"/>
           </a:p>
@@ -409,7 +416,7 @@
           <a:p>
             <a:fld id="{70F31C34-679A-48C7-81A0-8FB5A88A2736}" type="datetimeFigureOut">
               <a:rPr lang="es-PE" smtClean="0"/>
-              <a:t>22/12/2024</a:t>
+              <a:t>23/12/2024</a:t>
             </a:fld>
             <a:endParaRPr lang="es-PE"/>
           </a:p>
@@ -589,7 +596,7 @@
           <a:p>
             <a:fld id="{70F31C34-679A-48C7-81A0-8FB5A88A2736}" type="datetimeFigureOut">
               <a:rPr lang="es-PE" smtClean="0"/>
-              <a:t>22/12/2024</a:t>
+              <a:t>23/12/2024</a:t>
             </a:fld>
             <a:endParaRPr lang="es-PE"/>
           </a:p>
@@ -759,7 +766,7 @@
           <a:p>
             <a:fld id="{70F31C34-679A-48C7-81A0-8FB5A88A2736}" type="datetimeFigureOut">
               <a:rPr lang="es-PE" smtClean="0"/>
-              <a:t>22/12/2024</a:t>
+              <a:t>23/12/2024</a:t>
             </a:fld>
             <a:endParaRPr lang="es-PE"/>
           </a:p>
@@ -1003,7 +1010,7 @@
           <a:p>
             <a:fld id="{70F31C34-679A-48C7-81A0-8FB5A88A2736}" type="datetimeFigureOut">
               <a:rPr lang="es-PE" smtClean="0"/>
-              <a:t>22/12/2024</a:t>
+              <a:t>23/12/2024</a:t>
             </a:fld>
             <a:endParaRPr lang="es-PE"/>
           </a:p>
@@ -1235,7 +1242,7 @@
           <a:p>
             <a:fld id="{70F31C34-679A-48C7-81A0-8FB5A88A2736}" type="datetimeFigureOut">
               <a:rPr lang="es-PE" smtClean="0"/>
-              <a:t>22/12/2024</a:t>
+              <a:t>23/12/2024</a:t>
             </a:fld>
             <a:endParaRPr lang="es-PE"/>
           </a:p>
@@ -1602,7 +1609,7 @@
           <a:p>
             <a:fld id="{70F31C34-679A-48C7-81A0-8FB5A88A2736}" type="datetimeFigureOut">
               <a:rPr lang="es-PE" smtClean="0"/>
-              <a:t>22/12/2024</a:t>
+              <a:t>23/12/2024</a:t>
             </a:fld>
             <a:endParaRPr lang="es-PE"/>
           </a:p>
@@ -1720,7 +1727,7 @@
           <a:p>
             <a:fld id="{70F31C34-679A-48C7-81A0-8FB5A88A2736}" type="datetimeFigureOut">
               <a:rPr lang="es-PE" smtClean="0"/>
-              <a:t>22/12/2024</a:t>
+              <a:t>23/12/2024</a:t>
             </a:fld>
             <a:endParaRPr lang="es-PE"/>
           </a:p>
@@ -1815,7 +1822,7 @@
           <a:p>
             <a:fld id="{70F31C34-679A-48C7-81A0-8FB5A88A2736}" type="datetimeFigureOut">
               <a:rPr lang="es-PE" smtClean="0"/>
-              <a:t>22/12/2024</a:t>
+              <a:t>23/12/2024</a:t>
             </a:fld>
             <a:endParaRPr lang="es-PE"/>
           </a:p>
@@ -2092,7 +2099,7 @@
           <a:p>
             <a:fld id="{70F31C34-679A-48C7-81A0-8FB5A88A2736}" type="datetimeFigureOut">
               <a:rPr lang="es-PE" smtClean="0"/>
-              <a:t>22/12/2024</a:t>
+              <a:t>23/12/2024</a:t>
             </a:fld>
             <a:endParaRPr lang="es-PE"/>
           </a:p>
@@ -2349,7 +2356,7 @@
           <a:p>
             <a:fld id="{70F31C34-679A-48C7-81A0-8FB5A88A2736}" type="datetimeFigureOut">
               <a:rPr lang="es-PE" smtClean="0"/>
-              <a:t>22/12/2024</a:t>
+              <a:t>23/12/2024</a:t>
             </a:fld>
             <a:endParaRPr lang="es-PE"/>
           </a:p>
@@ -2562,7 +2569,7 @@
           <a:p>
             <a:fld id="{70F31C34-679A-48C7-81A0-8FB5A88A2736}" type="datetimeFigureOut">
               <a:rPr lang="es-PE" smtClean="0"/>
-              <a:t>22/12/2024</a:t>
+              <a:t>23/12/2024</a:t>
             </a:fld>
             <a:endParaRPr lang="es-PE"/>
           </a:p>
@@ -3109,6 +3116,114 @@
           <a:chExt cx="0" cy="0"/>
         </a:xfrm>
       </p:grpSpPr>
+      <p:pic>
+        <p:nvPicPr>
+          <p:cNvPr id="5" name="Imagen 4"/>
+          <p:cNvPicPr>
+            <a:picLocks noChangeAspect="1"/>
+          </p:cNvPicPr>
+          <p:nvPr/>
+        </p:nvPicPr>
+        <p:blipFill>
+          <a:blip r:embed="rId2"/>
+          <a:stretch>
+            <a:fillRect/>
+          </a:stretch>
+        </p:blipFill>
+        <p:spPr>
+          <a:xfrm>
+            <a:off x="111355" y="597160"/>
+            <a:ext cx="7448320" cy="6176865"/>
+          </a:xfrm>
+          <a:prstGeom prst="rect">
+            <a:avLst/>
+          </a:prstGeom>
+        </p:spPr>
+      </p:pic>
+    </p:spTree>
+    <p:extLst>
+      <p:ext uri="{BB962C8B-B14F-4D97-AF65-F5344CB8AC3E}">
+        <p14:creationId xmlns:p14="http://schemas.microsoft.com/office/powerpoint/2010/main" val="882543142"/>
+      </p:ext>
+    </p:extLst>
+  </p:cSld>
+  <p:clrMapOvr>
+    <a:masterClrMapping/>
+  </p:clrMapOvr>
+</p:sld>
+</file>
+
+<file path=ppt/slides/slide3.xml><?xml version="1.0" encoding="utf-8"?>
+<p:sld xmlns:a="http://schemas.openxmlformats.org/drawingml/2006/main" xmlns:r="http://schemas.openxmlformats.org/officeDocument/2006/relationships" xmlns:p="http://schemas.openxmlformats.org/presentationml/2006/main">
+  <p:cSld>
+    <p:spTree>
+      <p:nvGrpSpPr>
+        <p:cNvPr id="1" name=""/>
+        <p:cNvGrpSpPr/>
+        <p:nvPr/>
+      </p:nvGrpSpPr>
+      <p:grpSpPr>
+        <a:xfrm>
+          <a:off x="0" y="0"/>
+          <a:ext cx="0" cy="0"/>
+          <a:chOff x="0" y="0"/>
+          <a:chExt cx="0" cy="0"/>
+        </a:xfrm>
+      </p:grpSpPr>
+      <p:pic>
+        <p:nvPicPr>
+          <p:cNvPr id="7" name="Imagen 6"/>
+          <p:cNvPicPr>
+            <a:picLocks noChangeAspect="1"/>
+          </p:cNvPicPr>
+          <p:nvPr/>
+        </p:nvPicPr>
+        <p:blipFill>
+          <a:blip r:embed="rId2"/>
+          <a:stretch>
+            <a:fillRect/>
+          </a:stretch>
+        </p:blipFill>
+        <p:spPr>
+          <a:xfrm>
+            <a:off x="65315" y="340437"/>
+            <a:ext cx="7212111" cy="6843160"/>
+          </a:xfrm>
+          <a:prstGeom prst="rect">
+            <a:avLst/>
+          </a:prstGeom>
+        </p:spPr>
+      </p:pic>
+    </p:spTree>
+    <p:extLst>
+      <p:ext uri="{BB962C8B-B14F-4D97-AF65-F5344CB8AC3E}">
+        <p14:creationId xmlns:p14="http://schemas.microsoft.com/office/powerpoint/2010/main" val="3435373664"/>
+      </p:ext>
+    </p:extLst>
+  </p:cSld>
+  <p:clrMapOvr>
+    <a:masterClrMapping/>
+  </p:clrMapOvr>
+</p:sld>
+</file>
+
+<file path=ppt/slides/slide4.xml><?xml version="1.0" encoding="utf-8"?>
+<p:sld xmlns:a="http://schemas.openxmlformats.org/drawingml/2006/main" xmlns:r="http://schemas.openxmlformats.org/officeDocument/2006/relationships" xmlns:p="http://schemas.openxmlformats.org/presentationml/2006/main">
+  <p:cSld>
+    <p:spTree>
+      <p:nvGrpSpPr>
+        <p:cNvPr id="1" name=""/>
+        <p:cNvGrpSpPr/>
+        <p:nvPr/>
+      </p:nvGrpSpPr>
+      <p:grpSpPr>
+        <a:xfrm>
+          <a:off x="0" y="0"/>
+          <a:ext cx="0" cy="0"/>
+          <a:chOff x="0" y="0"/>
+          <a:chExt cx="0" cy="0"/>
+        </a:xfrm>
+      </p:grpSpPr>
       <p:sp>
         <p:nvSpPr>
           <p:cNvPr id="3" name="Marcador de contenido 2"/>
@@ -3122,171 +3237,175 @@
         <p:spPr>
           <a:xfrm>
             <a:off x="519728" y="428815"/>
-            <a:ext cx="6520220" cy="6380144"/>
+            <a:ext cx="6730158" cy="6380144"/>
           </a:xfrm>
         </p:spPr>
         <p:txBody>
           <a:bodyPr>
-            <a:normAutofit/>
+            <a:noAutofit/>
           </a:bodyPr>
           <a:lstStyle/>
           <a:p>
-            <a:pPr>
+            <a:pPr marL="0" indent="0" algn="just">
               <a:lnSpc>
                 <a:spcPct val="150000"/>
               </a:lnSpc>
+              <a:buNone/>
             </a:pPr>
             <a:r>
-              <a:rPr lang="es-PE" dirty="0" smtClean="0"/>
-              <a:t>La optimización metaheurística : Algoritmo genético (CASO: von </a:t>
-            </a:r>
-            <a:r>
-              <a:rPr lang="es-PE" dirty="0" err="1" smtClean="0"/>
-              <a:t>Berttalaalfy</a:t>
-            </a:r>
-            <a:r>
-              <a:rPr lang="es-PE" dirty="0" smtClean="0"/>
-              <a:t> )</a:t>
-            </a:r>
-          </a:p>
-          <a:p>
-            <a:pPr marL="0" indent="0">
+              <a:rPr lang="es-PE" sz="1400" dirty="0" smtClean="0">
+                <a:latin typeface="Arial" panose="020B0604020202020204" pitchFamily="34" charset="0"/>
+                <a:cs typeface="Arial" panose="020B0604020202020204" pitchFamily="34" charset="0"/>
+              </a:rPr>
+              <a:t>Optimización metaheurística : Algoritmo genético</a:t>
+            </a:r>
+          </a:p>
+          <a:p>
+            <a:pPr marL="0" indent="0" algn="just">
               <a:lnSpc>
                 <a:spcPct val="150000"/>
               </a:lnSpc>
               <a:buNone/>
             </a:pPr>
             <a:r>
-              <a:rPr lang="es-PE" sz="1155" dirty="0">
+              <a:rPr lang="es-PE" sz="1400" dirty="0" smtClean="0">
                 <a:latin typeface="Arial" panose="020B0604020202020204" pitchFamily="34" charset="0"/>
                 <a:cs typeface="Arial" panose="020B0604020202020204" pitchFamily="34" charset="0"/>
               </a:rPr>
-              <a:t>En optimización, el gradiente descendente es ampliamente utilizado, pero su eficacia depende de la convexidad de la función. En problemas complejos, los algoritmos genéticos (GA) ofrecen una alternativa poderosa, simulando un proceso evolutivo mediante selección natural, cruzamiento y mutación para explorar de manera más amplia el espacio de soluciones. El rendimiento de cada solución se evalúa a través de una función de aptitud, repitiéndose el ciclo hasta encontrar una solución óptima o alcanzar un criterio de parada. Este enfoque es especialmente útil en ecología marina cuantitativa, donde las interacciones no lineales entre variables requieren métodos flexibles y robustos.</a:t>
-            </a:r>
-          </a:p>
-          <a:p>
-            <a:pPr marL="0" indent="0">
+              <a:t>En el campo de la optimización, el gradiente descendente es una técnica muy popular, pero su efectividad depende de la convexidad de la función objetivo. Sin embargo, en problemas complejos, los algoritmos genéticos (GA) ofrecen una solución mucho más robusta. Estos algoritmos simulan un proceso evolutivo que incluye selección natural, cruzamiento y mutación, permitiendo explorar de manera más amplia y eficiente el espacio de soluciones. El rendimiento de cada posible solución se evalúa mediante una función de aptitud, repitiéndose el ciclo evolutivo hasta encontrar una solución óptima o hasta que se alcance un criterio de parada predefinido.</a:t>
+            </a:r>
+          </a:p>
+          <a:p>
+            <a:pPr marL="0" indent="0" algn="just">
               <a:lnSpc>
                 <a:spcPct val="150000"/>
               </a:lnSpc>
               <a:buNone/>
             </a:pPr>
-            <a:endParaRPr lang="es-PE" sz="1155" dirty="0">
+            <a:r>
+              <a:rPr lang="es-PE" sz="1400" dirty="0" smtClean="0">
+                <a:latin typeface="Arial" panose="020B0604020202020204" pitchFamily="34" charset="0"/>
+                <a:cs typeface="Arial" panose="020B0604020202020204" pitchFamily="34" charset="0"/>
+              </a:rPr>
+              <a:t>Este enfoque es particularmente útil en ecología marina, donde las interacciones no lineales entre variables requieren métodos flexibles y robustos. En este ejemplo: La estimación de parámetros de crecimiento utilizando datos simulados acoplados con errores de observación.</a:t>
+            </a:r>
+          </a:p>
+          <a:p>
+            <a:pPr marL="0" indent="0" algn="just">
+              <a:lnSpc>
+                <a:spcPct val="150000"/>
+              </a:lnSpc>
+              <a:buNone/>
+            </a:pPr>
+            <a:r>
+              <a:rPr lang="es-PE" sz="1400" dirty="0" smtClean="0">
+                <a:latin typeface="Arial" panose="020B0604020202020204" pitchFamily="34" charset="0"/>
+                <a:cs typeface="Arial" panose="020B0604020202020204" pitchFamily="34" charset="0"/>
+              </a:rPr>
+              <a:t>Lenguaje: +r</a:t>
+            </a:r>
+          </a:p>
+          <a:p>
+            <a:pPr marL="0" indent="0" algn="just">
+              <a:lnSpc>
+                <a:spcPct val="150000"/>
+              </a:lnSpc>
+              <a:buNone/>
+            </a:pPr>
+            <a:r>
+              <a:rPr lang="es-PE" sz="1400" dirty="0" smtClean="0">
+                <a:latin typeface="Arial" panose="020B0604020202020204" pitchFamily="34" charset="0"/>
+                <a:cs typeface="Arial" panose="020B0604020202020204" pitchFamily="34" charset="0"/>
+              </a:rPr>
+              <a:t>Código (GitHub): En construcción </a:t>
+            </a:r>
+          </a:p>
+          <a:p>
+            <a:pPr marL="0" indent="0">
+              <a:buNone/>
+            </a:pPr>
+            <a:r>
+              <a:rPr lang="es-PE" sz="1400" dirty="0" smtClean="0">
+                <a:latin typeface="Arial" panose="020B0604020202020204" pitchFamily="34" charset="0"/>
+                <a:cs typeface="Arial" panose="020B0604020202020204" pitchFamily="34" charset="0"/>
+              </a:rPr>
+              <a:t>¡Pronto publicaré más detalles sobre otros ejemplos y cómo se aplica en la práctica!</a:t>
+            </a:r>
+          </a:p>
+          <a:p>
+            <a:pPr marL="0" indent="0">
+              <a:buNone/>
+            </a:pPr>
+            <a:r>
+              <a:rPr lang="es-PE" sz="1400" dirty="0" smtClean="0">
+                <a:latin typeface="Arial" panose="020B0604020202020204" pitchFamily="34" charset="0"/>
+                <a:cs typeface="Arial" panose="020B0604020202020204" pitchFamily="34" charset="0"/>
+              </a:rPr>
+              <a:t>#</a:t>
+            </a:r>
+            <a:r>
+              <a:rPr lang="es-PE" sz="1400" dirty="0" err="1" smtClean="0">
+                <a:latin typeface="Arial" panose="020B0604020202020204" pitchFamily="34" charset="0"/>
+                <a:cs typeface="Arial" panose="020B0604020202020204" pitchFamily="34" charset="0"/>
+              </a:rPr>
+              <a:t>AlgoritmosGenéticos</a:t>
+            </a:r>
+            <a:r>
+              <a:rPr lang="es-PE" sz="1400" dirty="0" smtClean="0">
+                <a:latin typeface="Arial" panose="020B0604020202020204" pitchFamily="34" charset="0"/>
+                <a:cs typeface="Arial" panose="020B0604020202020204" pitchFamily="34" charset="0"/>
+              </a:rPr>
+              <a:t> #Optimización #</a:t>
+            </a:r>
+            <a:r>
+              <a:rPr lang="es-PE" sz="1400" dirty="0" err="1" smtClean="0">
+                <a:latin typeface="Arial" panose="020B0604020202020204" pitchFamily="34" charset="0"/>
+                <a:cs typeface="Arial" panose="020B0604020202020204" pitchFamily="34" charset="0"/>
+              </a:rPr>
+              <a:t>EcologíaMarina</a:t>
+            </a:r>
+            <a:r>
+              <a:rPr lang="es-PE" sz="1400" dirty="0" smtClean="0">
+                <a:latin typeface="Arial" panose="020B0604020202020204" pitchFamily="34" charset="0"/>
+                <a:cs typeface="Arial" panose="020B0604020202020204" pitchFamily="34" charset="0"/>
+              </a:rPr>
+              <a:t> #</a:t>
+            </a:r>
+            <a:r>
+              <a:rPr lang="es-PE" sz="1400" dirty="0" err="1" smtClean="0">
+                <a:latin typeface="Arial" panose="020B0604020202020204" pitchFamily="34" charset="0"/>
+                <a:cs typeface="Arial" panose="020B0604020202020204" pitchFamily="34" charset="0"/>
+              </a:rPr>
+              <a:t>CrecimientoDePoblaciones</a:t>
+            </a:r>
+            <a:r>
+              <a:rPr lang="es-PE" sz="1400" dirty="0" smtClean="0">
+                <a:latin typeface="Arial" panose="020B0604020202020204" pitchFamily="34" charset="0"/>
+                <a:cs typeface="Arial" panose="020B0604020202020204" pitchFamily="34" charset="0"/>
+              </a:rPr>
+              <a:t> #Metaheurística</a:t>
+            </a:r>
+          </a:p>
+          <a:p>
+            <a:pPr marL="0" indent="0" algn="just">
+              <a:lnSpc>
+                <a:spcPct val="150000"/>
+              </a:lnSpc>
+              <a:buNone/>
+            </a:pPr>
+            <a:endParaRPr lang="es-PE" sz="1400" dirty="0" smtClean="0">
               <a:latin typeface="Arial" panose="020B0604020202020204" pitchFamily="34" charset="0"/>
               <a:cs typeface="Arial" panose="020B0604020202020204" pitchFamily="34" charset="0"/>
             </a:endParaRPr>
           </a:p>
           <a:p>
-            <a:pPr marL="0" indent="0">
+            <a:pPr marL="0" indent="0" algn="just">
               <a:lnSpc>
                 <a:spcPct val="150000"/>
               </a:lnSpc>
               <a:buNone/>
             </a:pPr>
-            <a:r>
-              <a:rPr lang="es-PE" sz="1155" dirty="0">
-                <a:latin typeface="Arial" panose="020B0604020202020204" pitchFamily="34" charset="0"/>
-                <a:cs typeface="Arial" panose="020B0604020202020204" pitchFamily="34" charset="0"/>
-              </a:rPr>
-              <a:t>En el </a:t>
-            </a:r>
-            <a:r>
-              <a:rPr lang="es-PE" sz="1155" dirty="0" err="1">
-                <a:latin typeface="Arial" panose="020B0604020202020204" pitchFamily="34" charset="0"/>
-                <a:cs typeface="Arial" panose="020B0604020202020204" pitchFamily="34" charset="0"/>
-              </a:rPr>
-              <a:t>eejmplo</a:t>
-            </a:r>
-            <a:r>
-              <a:rPr lang="es-PE" sz="1155" dirty="0">
-                <a:latin typeface="Arial" panose="020B0604020202020204" pitchFamily="34" charset="0"/>
-                <a:cs typeface="Arial" panose="020B0604020202020204" pitchFamily="34" charset="0"/>
-              </a:rPr>
-              <a:t> </a:t>
-            </a:r>
-            <a:r>
-              <a:rPr lang="es-PE" sz="1155" dirty="0" err="1">
-                <a:latin typeface="Arial" panose="020B0604020202020204" pitchFamily="34" charset="0"/>
-                <a:cs typeface="Arial" panose="020B0604020202020204" pitchFamily="34" charset="0"/>
-              </a:rPr>
-              <a:t>laestimacion</a:t>
-            </a:r>
-            <a:r>
-              <a:rPr lang="es-PE" sz="1155" dirty="0">
-                <a:latin typeface="Arial" panose="020B0604020202020204" pitchFamily="34" charset="0"/>
-                <a:cs typeface="Arial" panose="020B0604020202020204" pitchFamily="34" charset="0"/>
-              </a:rPr>
-              <a:t> de los parametros de crecimiento </a:t>
-            </a:r>
-          </a:p>
-          <a:p>
-            <a:pPr marL="0" indent="0">
-              <a:lnSpc>
-                <a:spcPct val="150000"/>
-              </a:lnSpc>
-              <a:buNone/>
-            </a:pPr>
-            <a:r>
-              <a:rPr lang="es-PE" sz="1155" dirty="0">
-                <a:latin typeface="Arial" panose="020B0604020202020204" pitchFamily="34" charset="0"/>
-                <a:cs typeface="Arial" panose="020B0604020202020204" pitchFamily="34" charset="0"/>
-              </a:rPr>
-              <a:t>Enlace </a:t>
-            </a:r>
-            <a:r>
-              <a:rPr lang="es-PE" sz="1155" dirty="0" err="1">
-                <a:latin typeface="Arial" panose="020B0604020202020204" pitchFamily="34" charset="0"/>
-                <a:cs typeface="Arial" panose="020B0604020202020204" pitchFamily="34" charset="0"/>
-              </a:rPr>
-              <a:t>Git</a:t>
-            </a:r>
-            <a:r>
-              <a:rPr lang="es-PE" sz="1155" dirty="0">
-                <a:latin typeface="Arial" panose="020B0604020202020204" pitchFamily="34" charset="0"/>
-                <a:cs typeface="Arial" panose="020B0604020202020204" pitchFamily="34" charset="0"/>
-              </a:rPr>
-              <a:t>: </a:t>
-            </a:r>
-          </a:p>
-          <a:p>
-            <a:pPr marL="0" indent="0">
-              <a:lnSpc>
-                <a:spcPct val="150000"/>
-              </a:lnSpc>
-              <a:buNone/>
-            </a:pPr>
-            <a:r>
-              <a:rPr lang="es-PE" sz="1155" dirty="0" err="1">
-                <a:latin typeface="Arial" panose="020B0604020202020204" pitchFamily="34" charset="0"/>
-                <a:cs typeface="Arial" panose="020B0604020202020204" pitchFamily="34" charset="0"/>
-              </a:rPr>
-              <a:t>Vdsvfvcxvcxx</a:t>
-            </a:r>
-            <a:endParaRPr lang="es-PE" sz="1155" dirty="0">
-              <a:latin typeface="Arial" panose="020B0604020202020204" pitchFamily="34" charset="0"/>
-              <a:cs typeface="Arial" panose="020B0604020202020204" pitchFamily="34" charset="0"/>
-            </a:endParaRPr>
-          </a:p>
-          <a:p>
-            <a:pPr marL="0" indent="0">
-              <a:lnSpc>
-                <a:spcPct val="150000"/>
-              </a:lnSpc>
-              <a:buNone/>
-            </a:pPr>
-            <a:endParaRPr lang="es-PE" sz="1155" dirty="0">
-              <a:latin typeface="Arial" panose="020B0604020202020204" pitchFamily="34" charset="0"/>
-              <a:cs typeface="Arial" panose="020B0604020202020204" pitchFamily="34" charset="0"/>
-            </a:endParaRPr>
-          </a:p>
-          <a:p>
-            <a:pPr marL="0" indent="0">
-              <a:lnSpc>
-                <a:spcPct val="150000"/>
-              </a:lnSpc>
-              <a:buNone/>
-            </a:pPr>
-            <a:endParaRPr lang="es-PE" sz="1155" dirty="0">
+            <a:endParaRPr lang="es-PE" sz="1400" dirty="0">
               <a:latin typeface="Arial" panose="020B0604020202020204" pitchFamily="34" charset="0"/>
               <a:cs typeface="Arial" panose="020B0604020202020204" pitchFamily="34" charset="0"/>
             </a:endParaRPr>
